--- a/template.pptx
+++ b/template.pptx
@@ -236,7 +236,7 @@
           <a:p>
             <a:fld id="{9E88B8F3-31C2-4698-B74C-D5D76CFD8ACD}" type="datetimeFigureOut">
               <a:rPr lang="ru-RU" smtClean="0"/>
-              <a:t>19.05.2022</a:t>
+              <a:t>09.08.2022</a:t>
             </a:fld>
             <a:endParaRPr lang="ru-RU" dirty="0"/>
           </a:p>
@@ -413,7 +413,7 @@
           <a:p>
             <a:fld id="{7000EB3D-2307-4317-8A1D-B47FA45245F0}" type="datetimeFigureOut">
               <a:rPr lang="ru-RU" smtClean="0"/>
-              <a:t>19.05.2022</a:t>
+              <a:t>09.08.2022</a:t>
             </a:fld>
             <a:endParaRPr lang="ru-RU" dirty="0"/>
           </a:p>
@@ -812,7 +812,7 @@
           <a:p>
             <a:fld id="{824425CD-0A81-4F34-97D3-97E7F2F9FFF1}" type="datetimeFigureOut">
               <a:rPr lang="en-US" smtClean="0"/>
-              <a:t>5/19/2022</a:t>
+              <a:t>8/9/2022</a:t>
             </a:fld>
             <a:endParaRPr lang="en-US"/>
           </a:p>
@@ -6891,7 +6891,7 @@
           <a:p>
             <a:fld id="{824425CD-0A81-4F34-97D3-97E7F2F9FFF1}" type="datetimeFigureOut">
               <a:rPr lang="en-US" smtClean="0"/>
-              <a:t>5/19/2022</a:t>
+              <a:t>8/9/2022</a:t>
             </a:fld>
             <a:endParaRPr lang="en-US"/>
           </a:p>
@@ -9854,7 +9854,7 @@
           <a:p>
             <a:fld id="{824425CD-0A81-4F34-97D3-97E7F2F9FFF1}" type="datetimeFigureOut">
               <a:rPr lang="en-US" smtClean="0"/>
-              <a:t>5/19/2022</a:t>
+              <a:t>8/9/2022</a:t>
             </a:fld>
             <a:endParaRPr lang="en-US"/>
           </a:p>
@@ -10252,7 +10252,7 @@
           <a:p>
             <a:fld id="{824425CD-0A81-4F34-97D3-97E7F2F9FFF1}" type="datetimeFigureOut">
               <a:rPr lang="en-US" smtClean="0"/>
-              <a:t>5/19/2022</a:t>
+              <a:t>8/9/2022</a:t>
             </a:fld>
             <a:endParaRPr lang="en-US"/>
           </a:p>
@@ -11022,7 +11022,7 @@
           <a:p>
             <a:fld id="{824425CD-0A81-4F34-97D3-97E7F2F9FFF1}" type="datetimeFigureOut">
               <a:rPr lang="en-US" smtClean="0"/>
-              <a:t>5/19/2022</a:t>
+              <a:t>8/9/2022</a:t>
             </a:fld>
             <a:endParaRPr lang="en-US"/>
           </a:p>
@@ -11543,7 +11543,7 @@
           <a:p>
             <a:fld id="{824425CD-0A81-4F34-97D3-97E7F2F9FFF1}" type="datetimeFigureOut">
               <a:rPr lang="en-US" smtClean="0"/>
-              <a:t>5/19/2022</a:t>
+              <a:t>8/9/2022</a:t>
             </a:fld>
             <a:endParaRPr lang="en-US"/>
           </a:p>
@@ -12041,7 +12041,7 @@
           <a:p>
             <a:fld id="{824425CD-0A81-4F34-97D3-97E7F2F9FFF1}" type="datetimeFigureOut">
               <a:rPr lang="en-US" smtClean="0"/>
-              <a:t>5/19/2022</a:t>
+              <a:t>8/9/2022</a:t>
             </a:fld>
             <a:endParaRPr lang="en-US"/>
           </a:p>
@@ -12639,7 +12639,7 @@
           <a:p>
             <a:fld id="{824425CD-0A81-4F34-97D3-97E7F2F9FFF1}" type="datetimeFigureOut">
               <a:rPr lang="en-US" smtClean="0"/>
-              <a:t>5/19/2022</a:t>
+              <a:t>8/9/2022</a:t>
             </a:fld>
             <a:endParaRPr lang="en-US"/>
           </a:p>
@@ -13295,7 +13295,7 @@
           <a:p>
             <a:fld id="{824425CD-0A81-4F34-97D3-97E7F2F9FFF1}" type="datetimeFigureOut">
               <a:rPr lang="en-US" smtClean="0"/>
-              <a:t>5/19/2022</a:t>
+              <a:t>8/9/2022</a:t>
             </a:fld>
             <a:endParaRPr lang="en-US"/>
           </a:p>
@@ -14167,7 +14167,7 @@
           <a:p>
             <a:r>
               <a:rPr lang="en-US" dirty="0" smtClean="0"/>
-              <a:t>Insert Title</a:t>
+              <a:t>Loan Analysis and Prediction</a:t>
             </a:r>
             <a:endParaRPr lang="ru-RU" dirty="0"/>
           </a:p>
@@ -14195,12 +14195,12 @@
           <a:lstStyle/>
           <a:p>
             <a:r>
-              <a:rPr lang="en-US" dirty="0" smtClean="0">
+              <a:rPr lang="en-US" smtClean="0">
                 <a:solidFill>
                   <a:schemeClr val="tx1"/>
                 </a:solidFill>
               </a:rPr>
-              <a:t>Insert Date</a:t>
+              <a:t>2022</a:t>
             </a:r>
             <a:endParaRPr lang="ru-RU" dirty="0">
               <a:solidFill>
@@ -16938,15 +16938,6 @@
 </file>
 
 <file path=customXml/item1.xml><?xml version="1.0" encoding="utf-8"?>
-<?mso-contentType ?>
-<FormTemplates xmlns="http://schemas.microsoft.com/sharepoint/v3/contenttype/forms">
-  <Display>DocumentLibraryForm</Display>
-  <Edit>DocumentLibraryForm</Edit>
-  <New>DocumentLibraryForm</New>
-</FormTemplates>
-</file>
-
-<file path=customXml/item2.xml><?xml version="1.0" encoding="utf-8"?>
 <ct:contentTypeSchema xmlns:ct="http://schemas.microsoft.com/office/2006/metadata/contentType" xmlns:ma="http://schemas.microsoft.com/office/2006/metadata/properties/metaAttributes" ct:_="" ma:_="" ma:contentTypeName="Document" ma:contentTypeID="0x010100DEEA25CC0A0AC24199CDC46C25B8B0BC" ma:contentTypeVersion="10" ma:contentTypeDescription="Create a new document." ma:contentTypeScope="" ma:versionID="e3b47856d4cf355c0dacb39e1084d14f">
   <xsd:schema xmlns:xsd="http://www.w3.org/2001/XMLSchema" xmlns:xs="http://www.w3.org/2001/XMLSchema" xmlns:p="http://schemas.microsoft.com/office/2006/metadata/properties" xmlns:ns1="http://schemas.microsoft.com/sharepoint/v3" xmlns:ns2="6dc4bcd6-49db-4c07-9060-8acfc67cef9f" xmlns:ns3="fb0879af-3eba-417a-a55a-ffe6dcd6ca77" targetNamespace="http://schemas.microsoft.com/office/2006/metadata/properties" ma:root="true" ma:fieldsID="a845a615265fdb1f7b12cc65ac20ecbd" ns1:_="" ns2:_="" ns3:_="">
     <xsd:import namespace="http://schemas.microsoft.com/sharepoint/v3"/>
@@ -17154,6 +17145,15 @@
 </ct:contentTypeSchema>
 </file>
 
+<file path=customXml/item2.xml><?xml version="1.0" encoding="utf-8"?>
+<?mso-contentType ?>
+<FormTemplates xmlns="http://schemas.microsoft.com/sharepoint/v3/contenttype/forms">
+  <Display>DocumentLibraryForm</Display>
+  <Edit>DocumentLibraryForm</Edit>
+  <New>DocumentLibraryForm</New>
+</FormTemplates>
+</file>
+
 <file path=customXml/item3.xml><?xml version="1.0" encoding="utf-8"?>
 <p:properties xmlns:p="http://schemas.microsoft.com/office/2006/metadata/properties" xmlns:xsi="http://www.w3.org/2001/XMLSchema-instance" xmlns:pc="http://schemas.microsoft.com/office/infopath/2007/PartnerControls">
   <documentManagement>
@@ -17164,14 +17164,6 @@
 </file>
 
 <file path=customXml/itemProps1.xml><?xml version="1.0" encoding="utf-8"?>
-<ds:datastoreItem xmlns:ds="http://schemas.openxmlformats.org/officeDocument/2006/customXml" ds:itemID="{8C5154C8-4BB5-43F2-9F6C-5E79271A0D50}">
-  <ds:schemaRefs>
-    <ds:schemaRef ds:uri="http://schemas.microsoft.com/sharepoint/v3/contenttype/forms"/>
-  </ds:schemaRefs>
-</ds:datastoreItem>
-</file>
-
-<file path=customXml/itemProps2.xml><?xml version="1.0" encoding="utf-8"?>
 <ds:datastoreItem xmlns:ds="http://schemas.openxmlformats.org/officeDocument/2006/customXml" ds:itemID="{F2807890-83DC-4772-9CAD-F7CB30099A10}">
   <ds:schemaRefs>
     <ds:schemaRef ds:uri="http://schemas.microsoft.com/office/2006/metadata/contentType"/>
@@ -17191,6 +17183,14 @@
 </ds:datastoreItem>
 </file>
 
+<file path=customXml/itemProps2.xml><?xml version="1.0" encoding="utf-8"?>
+<ds:datastoreItem xmlns:ds="http://schemas.openxmlformats.org/officeDocument/2006/customXml" ds:itemID="{8C5154C8-4BB5-43F2-9F6C-5E79271A0D50}">
+  <ds:schemaRefs>
+    <ds:schemaRef ds:uri="http://schemas.microsoft.com/sharepoint/v3/contenttype/forms"/>
+  </ds:schemaRefs>
+</ds:datastoreItem>
+</file>
+
 <file path=customXml/itemProps3.xml><?xml version="1.0" encoding="utf-8"?>
 <ds:datastoreItem xmlns:ds="http://schemas.openxmlformats.org/officeDocument/2006/customXml" ds:itemID="{947A0EF5-23A9-4627-BC46-745B7DD804D2}">
   <ds:schemaRefs>
